--- a/presentations/timeseries.pptx
+++ b/presentations/timeseries.pptx
@@ -5,7 +5,7 @@
     <p:sldMasterId id="2147483648" r:id="rId1"/>
   </p:sldMasterIdLst>
   <p:notesMasterIdLst>
-    <p:notesMasterId r:id="rId19"/>
+    <p:notesMasterId r:id="rId24"/>
   </p:notesMasterIdLst>
   <p:sldIdLst>
     <p:sldId id="256" r:id="rId2"/>
@@ -25,6 +25,11 @@
     <p:sldId id="270" r:id="rId16"/>
     <p:sldId id="271" r:id="rId17"/>
     <p:sldId id="272" r:id="rId18"/>
+    <p:sldId id="273" r:id="rId19"/>
+    <p:sldId id="274" r:id="rId20"/>
+    <p:sldId id="275" r:id="rId21"/>
+    <p:sldId id="276" r:id="rId22"/>
+    <p:sldId id="277" r:id="rId23"/>
   </p:sldIdLst>
   <p:sldSz cx="12192000" cy="6858000"/>
   <p:notesSz cx="6858000" cy="9144000"/>
@@ -123,6 +128,11 @@
       </a:defRPr>
     </a:lvl9pPr>
   </p:defaultTextStyle>
+  <p:extLst>
+    <p:ext uri="{EFAFB233-063F-42B5-8137-9DF3F51BA10A}">
+      <p15:sldGuideLst xmlns:p15="http://schemas.microsoft.com/office/powerpoint/2012/main"/>
+    </p:ext>
+  </p:extLst>
 </p:presentation>
 </file>
 
@@ -208,7 +218,7 @@
           <a:p>
             <a:fld id="{A9269F58-CE3C-334E-8890-A036EFC23AF1}" type="datetimeFigureOut">
               <a:rPr lang="en-CO" smtClean="0"/>
-              <a:t>4/03/20</a:t>
+              <a:t>7/03/20</a:t>
             </a:fld>
             <a:endParaRPr lang="en-CO"/>
           </a:p>
@@ -904,6 +914,42 @@
           <a:bodyPr/>
           <a:lstStyle/>
           <a:p>
+            <a:r>
+              <a:rPr lang="en-US" sz="1200" b="0" i="0" kern="1200" dirty="0">
+                <a:solidFill>
+                  <a:schemeClr val="tx1"/>
+                </a:solidFill>
+                <a:effectLst/>
+                <a:latin typeface="+mn-lt"/>
+                <a:ea typeface="+mn-ea"/>
+                <a:cs typeface="+mn-cs"/>
+              </a:rPr>
+              <a:t>This model basically gives us a smooth line or </a:t>
+            </a:r>
+            <a:r>
+              <a:rPr lang="en-US" sz="1200" b="1" i="0" kern="1200" dirty="0">
+                <a:solidFill>
+                  <a:schemeClr val="tx1"/>
+                </a:solidFill>
+                <a:effectLst/>
+                <a:latin typeface="+mn-lt"/>
+                <a:ea typeface="+mn-ea"/>
+                <a:cs typeface="+mn-cs"/>
+              </a:rPr>
+              <a:t>LEVEL</a:t>
+            </a:r>
+            <a:r>
+              <a:rPr lang="en-US" sz="1200" b="0" i="0" kern="1200" dirty="0">
+                <a:solidFill>
+                  <a:schemeClr val="tx1"/>
+                </a:solidFill>
+                <a:effectLst/>
+                <a:latin typeface="+mn-lt"/>
+                <a:ea typeface="+mn-ea"/>
+                <a:cs typeface="+mn-cs"/>
+              </a:rPr>
+              <a:t> in our forecast that we can use to forecast the next period.</a:t>
+            </a:r>
             <a:endParaRPr lang="en-CO" dirty="0"/>
           </a:p>
         </p:txBody>
@@ -990,6 +1036,93 @@
           <a:p>
             <a:r>
               <a:rPr lang="en-CO" dirty="0"/>
+              <a:t>It’s a great model to apply to any non seasonal data set</a:t>
+            </a:r>
+          </a:p>
+        </p:txBody>
+      </p:sp>
+      <p:sp>
+        <p:nvSpPr>
+          <p:cNvPr id="4" name="Slide Number Placeholder 3"/>
+          <p:cNvSpPr>
+            <a:spLocks noGrp="1"/>
+          </p:cNvSpPr>
+          <p:nvPr>
+            <p:ph type="sldNum" sz="quarter" idx="5"/>
+          </p:nvPr>
+        </p:nvSpPr>
+        <p:spPr/>
+        <p:txBody>
+          <a:bodyPr/>
+          <a:lstStyle/>
+          <a:p>
+            <a:fld id="{7A89E64B-73A0-564F-8FFA-10156C1D80FD}" type="slidenum">
+              <a:rPr lang="en-CO" smtClean="0"/>
+              <a:t>11</a:t>
+            </a:fld>
+            <a:endParaRPr lang="en-CO"/>
+          </a:p>
+        </p:txBody>
+      </p:sp>
+    </p:spTree>
+    <p:extLst>
+      <p:ext uri="{BB962C8B-B14F-4D97-AF65-F5344CB8AC3E}">
+        <p14:creationId xmlns:p14="http://schemas.microsoft.com/office/powerpoint/2010/main" val="761841638"/>
+      </p:ext>
+    </p:extLst>
+  </p:cSld>
+  <p:clrMapOvr>
+    <a:masterClrMapping/>
+  </p:clrMapOvr>
+</p:notes>
+</file>
+
+<file path=ppt/notesSlides/notesSlide6.xml><?xml version="1.0" encoding="utf-8"?>
+<p:notes xmlns:a="http://schemas.openxmlformats.org/drawingml/2006/main" xmlns:r="http://schemas.openxmlformats.org/officeDocument/2006/relationships" xmlns:p="http://schemas.openxmlformats.org/presentationml/2006/main">
+  <p:cSld>
+    <p:spTree>
+      <p:nvGrpSpPr>
+        <p:cNvPr id="1" name=""/>
+        <p:cNvGrpSpPr/>
+        <p:nvPr/>
+      </p:nvGrpSpPr>
+      <p:grpSpPr>
+        <a:xfrm>
+          <a:off x="0" y="0"/>
+          <a:ext cx="0" cy="0"/>
+          <a:chOff x="0" y="0"/>
+          <a:chExt cx="0" cy="0"/>
+        </a:xfrm>
+      </p:grpSpPr>
+      <p:sp>
+        <p:nvSpPr>
+          <p:cNvPr id="2" name="Slide Image Placeholder 1"/>
+          <p:cNvSpPr>
+            <a:spLocks noGrp="1" noRot="1" noChangeAspect="1"/>
+          </p:cNvSpPr>
+          <p:nvPr>
+            <p:ph type="sldImg"/>
+          </p:nvPr>
+        </p:nvSpPr>
+        <p:spPr/>
+      </p:sp>
+      <p:sp>
+        <p:nvSpPr>
+          <p:cNvPr id="3" name="Notes Placeholder 2"/>
+          <p:cNvSpPr>
+            <a:spLocks noGrp="1"/>
+          </p:cNvSpPr>
+          <p:nvPr>
+            <p:ph type="body" idx="1"/>
+          </p:nvPr>
+        </p:nvSpPr>
+        <p:spPr/>
+        <p:txBody>
+          <a:bodyPr/>
+          <a:lstStyle/>
+          <a:p>
+            <a:r>
+              <a:rPr lang="en-CO" dirty="0"/>
               <a:t>Damped parameter</a:t>
             </a:r>
           </a:p>
@@ -1022,6 +1155,180 @@
     <p:extLst>
       <p:ext uri="{BB962C8B-B14F-4D97-AF65-F5344CB8AC3E}">
         <p14:creationId xmlns:p14="http://schemas.microsoft.com/office/powerpoint/2010/main" val="2046868966"/>
+      </p:ext>
+    </p:extLst>
+  </p:cSld>
+  <p:clrMapOvr>
+    <a:masterClrMapping/>
+  </p:clrMapOvr>
+</p:notes>
+</file>
+
+<file path=ppt/notesSlides/notesSlide7.xml><?xml version="1.0" encoding="utf-8"?>
+<p:notes xmlns:a="http://schemas.openxmlformats.org/drawingml/2006/main" xmlns:r="http://schemas.openxmlformats.org/officeDocument/2006/relationships" xmlns:p="http://schemas.openxmlformats.org/presentationml/2006/main">
+  <p:cSld>
+    <p:spTree>
+      <p:nvGrpSpPr>
+        <p:cNvPr id="1" name=""/>
+        <p:cNvGrpSpPr/>
+        <p:nvPr/>
+      </p:nvGrpSpPr>
+      <p:grpSpPr>
+        <a:xfrm>
+          <a:off x="0" y="0"/>
+          <a:ext cx="0" cy="0"/>
+          <a:chOff x="0" y="0"/>
+          <a:chExt cx="0" cy="0"/>
+        </a:xfrm>
+      </p:grpSpPr>
+      <p:sp>
+        <p:nvSpPr>
+          <p:cNvPr id="2" name="Slide Image Placeholder 1"/>
+          <p:cNvSpPr>
+            <a:spLocks noGrp="1" noRot="1" noChangeAspect="1"/>
+          </p:cNvSpPr>
+          <p:nvPr>
+            <p:ph type="sldImg"/>
+          </p:nvPr>
+        </p:nvSpPr>
+        <p:spPr/>
+      </p:sp>
+      <p:sp>
+        <p:nvSpPr>
+          <p:cNvPr id="3" name="Notes Placeholder 2"/>
+          <p:cNvSpPr>
+            <a:spLocks noGrp="1"/>
+          </p:cNvSpPr>
+          <p:nvPr>
+            <p:ph type="body" idx="1"/>
+          </p:nvPr>
+        </p:nvSpPr>
+        <p:spPr/>
+        <p:txBody>
+          <a:bodyPr/>
+          <a:lstStyle/>
+          <a:p>
+            <a:r>
+              <a:rPr lang="en-CO" dirty="0"/>
+              <a:t>Non seasonal</a:t>
+            </a:r>
+          </a:p>
+        </p:txBody>
+      </p:sp>
+      <p:sp>
+        <p:nvSpPr>
+          <p:cNvPr id="4" name="Slide Number Placeholder 3"/>
+          <p:cNvSpPr>
+            <a:spLocks noGrp="1"/>
+          </p:cNvSpPr>
+          <p:nvPr>
+            <p:ph type="sldNum" sz="quarter" idx="5"/>
+          </p:nvPr>
+        </p:nvSpPr>
+        <p:spPr/>
+        <p:txBody>
+          <a:bodyPr/>
+          <a:lstStyle/>
+          <a:p>
+            <a:fld id="{7A89E64B-73A0-564F-8FFA-10156C1D80FD}" type="slidenum">
+              <a:rPr lang="en-CO" smtClean="0"/>
+              <a:t>18</a:t>
+            </a:fld>
+            <a:endParaRPr lang="en-CO"/>
+          </a:p>
+        </p:txBody>
+      </p:sp>
+    </p:spTree>
+    <p:extLst>
+      <p:ext uri="{BB962C8B-B14F-4D97-AF65-F5344CB8AC3E}">
+        <p14:creationId xmlns:p14="http://schemas.microsoft.com/office/powerpoint/2010/main" val="2078141098"/>
+      </p:ext>
+    </p:extLst>
+  </p:cSld>
+  <p:clrMapOvr>
+    <a:masterClrMapping/>
+  </p:clrMapOvr>
+</p:notes>
+</file>
+
+<file path=ppt/notesSlides/notesSlide8.xml><?xml version="1.0" encoding="utf-8"?>
+<p:notes xmlns:a="http://schemas.openxmlformats.org/drawingml/2006/main" xmlns:r="http://schemas.openxmlformats.org/officeDocument/2006/relationships" xmlns:p="http://schemas.openxmlformats.org/presentationml/2006/main">
+  <p:cSld>
+    <p:spTree>
+      <p:nvGrpSpPr>
+        <p:cNvPr id="1" name=""/>
+        <p:cNvGrpSpPr/>
+        <p:nvPr/>
+      </p:nvGrpSpPr>
+      <p:grpSpPr>
+        <a:xfrm>
+          <a:off x="0" y="0"/>
+          <a:ext cx="0" cy="0"/>
+          <a:chOff x="0" y="0"/>
+          <a:chExt cx="0" cy="0"/>
+        </a:xfrm>
+      </p:grpSpPr>
+      <p:sp>
+        <p:nvSpPr>
+          <p:cNvPr id="2" name="Slide Image Placeholder 1"/>
+          <p:cNvSpPr>
+            <a:spLocks noGrp="1" noRot="1" noChangeAspect="1"/>
+          </p:cNvSpPr>
+          <p:nvPr>
+            <p:ph type="sldImg"/>
+          </p:nvPr>
+        </p:nvSpPr>
+        <p:spPr/>
+      </p:sp>
+      <p:sp>
+        <p:nvSpPr>
+          <p:cNvPr id="3" name="Notes Placeholder 2"/>
+          <p:cNvSpPr>
+            <a:spLocks noGrp="1"/>
+          </p:cNvSpPr>
+          <p:nvPr>
+            <p:ph type="body" idx="1"/>
+          </p:nvPr>
+        </p:nvSpPr>
+        <p:spPr/>
+        <p:txBody>
+          <a:bodyPr/>
+          <a:lstStyle/>
+          <a:p>
+            <a:r>
+              <a:rPr lang="en-CO" dirty="0"/>
+              <a:t>Understimate</a:t>
+            </a:r>
+          </a:p>
+        </p:txBody>
+      </p:sp>
+      <p:sp>
+        <p:nvSpPr>
+          <p:cNvPr id="4" name="Slide Number Placeholder 3"/>
+          <p:cNvSpPr>
+            <a:spLocks noGrp="1"/>
+          </p:cNvSpPr>
+          <p:nvPr>
+            <p:ph type="sldNum" sz="quarter" idx="5"/>
+          </p:nvPr>
+        </p:nvSpPr>
+        <p:spPr/>
+        <p:txBody>
+          <a:bodyPr/>
+          <a:lstStyle/>
+          <a:p>
+            <a:fld id="{7A89E64B-73A0-564F-8FFA-10156C1D80FD}" type="slidenum">
+              <a:rPr lang="en-CO" smtClean="0"/>
+              <a:t>21</a:t>
+            </a:fld>
+            <a:endParaRPr lang="en-CO"/>
+          </a:p>
+        </p:txBody>
+      </p:sp>
+    </p:spTree>
+    <p:extLst>
+      <p:ext uri="{BB962C8B-B14F-4D97-AF65-F5344CB8AC3E}">
+        <p14:creationId xmlns:p14="http://schemas.microsoft.com/office/powerpoint/2010/main" val="2021846526"/>
       </p:ext>
     </p:extLst>
   </p:cSld>
@@ -1180,7 +1487,7 @@
           <a:p>
             <a:fld id="{D1EE43D2-AFB0-D14C-B51D-94431E9F9D32}" type="datetimeFigureOut">
               <a:rPr lang="en-CO" smtClean="0"/>
-              <a:t>4/03/20</a:t>
+              <a:t>7/03/20</a:t>
             </a:fld>
             <a:endParaRPr lang="en-CO"/>
           </a:p>
@@ -1380,7 +1687,7 @@
           <a:p>
             <a:fld id="{D1EE43D2-AFB0-D14C-B51D-94431E9F9D32}" type="datetimeFigureOut">
               <a:rPr lang="en-CO" smtClean="0"/>
-              <a:t>4/03/20</a:t>
+              <a:t>7/03/20</a:t>
             </a:fld>
             <a:endParaRPr lang="en-CO"/>
           </a:p>
@@ -1590,7 +1897,7 @@
           <a:p>
             <a:fld id="{D1EE43D2-AFB0-D14C-B51D-94431E9F9D32}" type="datetimeFigureOut">
               <a:rPr lang="en-CO" smtClean="0"/>
-              <a:t>4/03/20</a:t>
+              <a:t>7/03/20</a:t>
             </a:fld>
             <a:endParaRPr lang="en-CO"/>
           </a:p>
@@ -1790,7 +2097,7 @@
           <a:p>
             <a:fld id="{D1EE43D2-AFB0-D14C-B51D-94431E9F9D32}" type="datetimeFigureOut">
               <a:rPr lang="en-CO" smtClean="0"/>
-              <a:t>4/03/20</a:t>
+              <a:t>7/03/20</a:t>
             </a:fld>
             <a:endParaRPr lang="en-CO"/>
           </a:p>
@@ -2066,7 +2373,7 @@
           <a:p>
             <a:fld id="{D1EE43D2-AFB0-D14C-B51D-94431E9F9D32}" type="datetimeFigureOut">
               <a:rPr lang="en-CO" smtClean="0"/>
-              <a:t>4/03/20</a:t>
+              <a:t>7/03/20</a:t>
             </a:fld>
             <a:endParaRPr lang="en-CO"/>
           </a:p>
@@ -2334,7 +2641,7 @@
           <a:p>
             <a:fld id="{D1EE43D2-AFB0-D14C-B51D-94431E9F9D32}" type="datetimeFigureOut">
               <a:rPr lang="en-CO" smtClean="0"/>
-              <a:t>4/03/20</a:t>
+              <a:t>7/03/20</a:t>
             </a:fld>
             <a:endParaRPr lang="en-CO"/>
           </a:p>
@@ -2749,7 +3056,7 @@
           <a:p>
             <a:fld id="{D1EE43D2-AFB0-D14C-B51D-94431E9F9D32}" type="datetimeFigureOut">
               <a:rPr lang="en-CO" smtClean="0"/>
-              <a:t>4/03/20</a:t>
+              <a:t>7/03/20</a:t>
             </a:fld>
             <a:endParaRPr lang="en-CO"/>
           </a:p>
@@ -2891,7 +3198,7 @@
           <a:p>
             <a:fld id="{D1EE43D2-AFB0-D14C-B51D-94431E9F9D32}" type="datetimeFigureOut">
               <a:rPr lang="en-CO" smtClean="0"/>
-              <a:t>4/03/20</a:t>
+              <a:t>7/03/20</a:t>
             </a:fld>
             <a:endParaRPr lang="en-CO"/>
           </a:p>
@@ -3004,7 +3311,7 @@
           <a:p>
             <a:fld id="{D1EE43D2-AFB0-D14C-B51D-94431E9F9D32}" type="datetimeFigureOut">
               <a:rPr lang="en-CO" smtClean="0"/>
-              <a:t>4/03/20</a:t>
+              <a:t>7/03/20</a:t>
             </a:fld>
             <a:endParaRPr lang="en-CO"/>
           </a:p>
@@ -3317,7 +3624,7 @@
           <a:p>
             <a:fld id="{D1EE43D2-AFB0-D14C-B51D-94431E9F9D32}" type="datetimeFigureOut">
               <a:rPr lang="en-CO" smtClean="0"/>
-              <a:t>4/03/20</a:t>
+              <a:t>7/03/20</a:t>
             </a:fld>
             <a:endParaRPr lang="en-CO"/>
           </a:p>
@@ -3606,7 +3913,7 @@
           <a:p>
             <a:fld id="{D1EE43D2-AFB0-D14C-B51D-94431E9F9D32}" type="datetimeFigureOut">
               <a:rPr lang="en-CO" smtClean="0"/>
-              <a:t>4/03/20</a:t>
+              <a:t>7/03/20</a:t>
             </a:fld>
             <a:endParaRPr lang="en-CO"/>
           </a:p>
@@ -3849,7 +4156,7 @@
           <a:p>
             <a:fld id="{D1EE43D2-AFB0-D14C-B51D-94431E9F9D32}" type="datetimeFigureOut">
               <a:rPr lang="en-CO" smtClean="0"/>
-              <a:t>4/03/20</a:t>
+              <a:t>7/03/20</a:t>
             </a:fld>
             <a:endParaRPr lang="en-CO"/>
           </a:p>
@@ -4569,7 +4876,7 @@
           </p:nvPr>
         </p:nvPicPr>
         <p:blipFill>
-          <a:blip r:embed="rId2"/>
+          <a:blip r:embed="rId3"/>
           <a:stretch>
             <a:fillRect/>
           </a:stretch>
@@ -4761,7 +5068,7 @@
           <a:p>
             <a:r>
               <a:rPr lang="en-CO" dirty="0"/>
-              <a:t>Phi parameter</a:t>
+              <a:t>Phi parameter (small values assume the trend line change only very slowly over time)</a:t>
             </a:r>
           </a:p>
           <a:p>
@@ -5264,6 +5571,235 @@
 </p:sld>
 </file>
 
+<file path=ppt/slides/slide18.xml><?xml version="1.0" encoding="utf-8"?>
+<p:sld xmlns:a="http://schemas.openxmlformats.org/drawingml/2006/main" xmlns:r="http://schemas.openxmlformats.org/officeDocument/2006/relationships" xmlns:p="http://schemas.openxmlformats.org/presentationml/2006/main">
+  <p:cSld>
+    <p:spTree>
+      <p:nvGrpSpPr>
+        <p:cNvPr id="1" name=""/>
+        <p:cNvGrpSpPr/>
+        <p:nvPr/>
+      </p:nvGrpSpPr>
+      <p:grpSpPr>
+        <a:xfrm>
+          <a:off x="0" y="0"/>
+          <a:ext cx="0" cy="0"/>
+          <a:chOff x="0" y="0"/>
+          <a:chExt cx="0" cy="0"/>
+        </a:xfrm>
+      </p:grpSpPr>
+      <p:sp>
+        <p:nvSpPr>
+          <p:cNvPr id="2" name="Title 1">
+            <a:extLst>
+              <a:ext uri="{FF2B5EF4-FFF2-40B4-BE49-F238E27FC236}">
+                <a16:creationId xmlns:a16="http://schemas.microsoft.com/office/drawing/2014/main" id="{31E88C49-9A7E-324C-8D62-10BD28198F03}"/>
+              </a:ext>
+            </a:extLst>
+          </p:cNvPr>
+          <p:cNvSpPr>
+            <a:spLocks noGrp="1"/>
+          </p:cNvSpPr>
+          <p:nvPr>
+            <p:ph type="title"/>
+          </p:nvPr>
+        </p:nvSpPr>
+        <p:spPr/>
+        <p:txBody>
+          <a:bodyPr/>
+          <a:lstStyle/>
+          <a:p>
+            <a:r>
+              <a:rPr lang="en-CO" dirty="0"/>
+              <a:t>ARIMA (p, d, q)</a:t>
+            </a:r>
+          </a:p>
+        </p:txBody>
+      </p:sp>
+      <p:sp>
+        <p:nvSpPr>
+          <p:cNvPr id="3" name="Content Placeholder 2">
+            <a:extLst>
+              <a:ext uri="{FF2B5EF4-FFF2-40B4-BE49-F238E27FC236}">
+                <a16:creationId xmlns:a16="http://schemas.microsoft.com/office/drawing/2014/main" id="{6DAF03A8-979D-7E4D-921F-73A70C1330E2}"/>
+              </a:ext>
+            </a:extLst>
+          </p:cNvPr>
+          <p:cNvSpPr>
+            <a:spLocks noGrp="1"/>
+          </p:cNvSpPr>
+          <p:nvPr>
+            <p:ph idx="1"/>
+          </p:nvPr>
+        </p:nvSpPr>
+        <p:spPr/>
+        <p:txBody>
+          <a:bodyPr/>
+          <a:lstStyle/>
+          <a:p>
+            <a:r>
+              <a:rPr lang="en-CO" dirty="0"/>
+              <a:t>AR = Autoregressive     I = differencing    MA = Moving Average</a:t>
+            </a:r>
+          </a:p>
+        </p:txBody>
+      </p:sp>
+      <p:pic>
+        <p:nvPicPr>
+          <p:cNvPr id="5" name="Picture 4">
+            <a:extLst>
+              <a:ext uri="{FF2B5EF4-FFF2-40B4-BE49-F238E27FC236}">
+                <a16:creationId xmlns:a16="http://schemas.microsoft.com/office/drawing/2014/main" id="{6FD0B57A-C9A0-FE4F-B235-82A7DB64F493}"/>
+              </a:ext>
+            </a:extLst>
+          </p:cNvPr>
+          <p:cNvPicPr>
+            <a:picLocks noChangeAspect="1"/>
+          </p:cNvPicPr>
+          <p:nvPr/>
+        </p:nvPicPr>
+        <p:blipFill>
+          <a:blip r:embed="rId3"/>
+          <a:stretch>
+            <a:fillRect/>
+          </a:stretch>
+        </p:blipFill>
+        <p:spPr>
+          <a:xfrm>
+            <a:off x="1543987" y="2901000"/>
+            <a:ext cx="8769246" cy="3339815"/>
+          </a:xfrm>
+          <a:prstGeom prst="rect">
+            <a:avLst/>
+          </a:prstGeom>
+        </p:spPr>
+      </p:pic>
+    </p:spTree>
+    <p:extLst>
+      <p:ext uri="{BB962C8B-B14F-4D97-AF65-F5344CB8AC3E}">
+        <p14:creationId xmlns:p14="http://schemas.microsoft.com/office/powerpoint/2010/main" val="2339486432"/>
+      </p:ext>
+    </p:extLst>
+  </p:cSld>
+  <p:clrMapOvr>
+    <a:masterClrMapping/>
+  </p:clrMapOvr>
+</p:sld>
+</file>
+
+<file path=ppt/slides/slide19.xml><?xml version="1.0" encoding="utf-8"?>
+<p:sld xmlns:a="http://schemas.openxmlformats.org/drawingml/2006/main" xmlns:r="http://schemas.openxmlformats.org/officeDocument/2006/relationships" xmlns:p="http://schemas.openxmlformats.org/presentationml/2006/main">
+  <p:cSld>
+    <p:spTree>
+      <p:nvGrpSpPr>
+        <p:cNvPr id="1" name=""/>
+        <p:cNvGrpSpPr/>
+        <p:nvPr/>
+      </p:nvGrpSpPr>
+      <p:grpSpPr>
+        <a:xfrm>
+          <a:off x="0" y="0"/>
+          <a:ext cx="0" cy="0"/>
+          <a:chOff x="0" y="0"/>
+          <a:chExt cx="0" cy="0"/>
+        </a:xfrm>
+      </p:grpSpPr>
+      <p:sp>
+        <p:nvSpPr>
+          <p:cNvPr id="2" name="Title 1">
+            <a:extLst>
+              <a:ext uri="{FF2B5EF4-FFF2-40B4-BE49-F238E27FC236}">
+                <a16:creationId xmlns:a16="http://schemas.microsoft.com/office/drawing/2014/main" id="{B78BEA69-E9B4-D14B-B033-EAD40C04DBE6}"/>
+              </a:ext>
+            </a:extLst>
+          </p:cNvPr>
+          <p:cNvSpPr>
+            <a:spLocks noGrp="1"/>
+          </p:cNvSpPr>
+          <p:nvPr>
+            <p:ph type="title"/>
+          </p:nvPr>
+        </p:nvSpPr>
+        <p:spPr/>
+        <p:txBody>
+          <a:bodyPr/>
+          <a:lstStyle/>
+          <a:p>
+            <a:r>
+              <a:rPr lang="en-CO" dirty="0"/>
+              <a:t>Differencing Term</a:t>
+            </a:r>
+          </a:p>
+        </p:txBody>
+      </p:sp>
+      <p:sp>
+        <p:nvSpPr>
+          <p:cNvPr id="3" name="Content Placeholder 2">
+            <a:extLst>
+              <a:ext uri="{FF2B5EF4-FFF2-40B4-BE49-F238E27FC236}">
+                <a16:creationId xmlns:a16="http://schemas.microsoft.com/office/drawing/2014/main" id="{1EF548E8-5868-6640-9030-1B613340C465}"/>
+              </a:ext>
+            </a:extLst>
+          </p:cNvPr>
+          <p:cNvSpPr>
+            <a:spLocks noGrp="1"/>
+          </p:cNvSpPr>
+          <p:nvPr>
+            <p:ph idx="1"/>
+          </p:nvPr>
+        </p:nvSpPr>
+        <p:spPr/>
+        <p:txBody>
+          <a:bodyPr/>
+          <a:lstStyle/>
+          <a:p>
+            <a:endParaRPr lang="en-CO"/>
+          </a:p>
+        </p:txBody>
+      </p:sp>
+      <p:pic>
+        <p:nvPicPr>
+          <p:cNvPr id="4" name="Picture 3">
+            <a:extLst>
+              <a:ext uri="{FF2B5EF4-FFF2-40B4-BE49-F238E27FC236}">
+                <a16:creationId xmlns:a16="http://schemas.microsoft.com/office/drawing/2014/main" id="{B6042414-1697-A440-89B6-F44AC48D79C4}"/>
+              </a:ext>
+            </a:extLst>
+          </p:cNvPr>
+          <p:cNvPicPr>
+            <a:picLocks noChangeAspect="1"/>
+          </p:cNvPicPr>
+          <p:nvPr/>
+        </p:nvPicPr>
+        <p:blipFill>
+          <a:blip r:embed="rId2"/>
+          <a:stretch>
+            <a:fillRect/>
+          </a:stretch>
+        </p:blipFill>
+        <p:spPr>
+          <a:xfrm>
+            <a:off x="419100" y="2434203"/>
+            <a:ext cx="11353800" cy="3742760"/>
+          </a:xfrm>
+          <a:prstGeom prst="rect">
+            <a:avLst/>
+          </a:prstGeom>
+        </p:spPr>
+      </p:pic>
+    </p:spTree>
+    <p:extLst>
+      <p:ext uri="{BB962C8B-B14F-4D97-AF65-F5344CB8AC3E}">
+        <p14:creationId xmlns:p14="http://schemas.microsoft.com/office/powerpoint/2010/main" val="660411964"/>
+      </p:ext>
+    </p:extLst>
+  </p:cSld>
+  <p:clrMapOvr>
+    <a:masterClrMapping/>
+  </p:clrMapOvr>
+</p:sld>
+</file>
+
 <file path=ppt/slides/slide2.xml><?xml version="1.0" encoding="utf-8"?>
 <p:sld xmlns:a="http://schemas.openxmlformats.org/drawingml/2006/main" xmlns:r="http://schemas.openxmlformats.org/officeDocument/2006/relationships" xmlns:p="http://schemas.openxmlformats.org/presentationml/2006/main">
   <p:cSld>
@@ -5345,6 +5881,299 @@
     <p:extLst>
       <p:ext uri="{BB962C8B-B14F-4D97-AF65-F5344CB8AC3E}">
         <p14:creationId xmlns:p14="http://schemas.microsoft.com/office/powerpoint/2010/main" val="1460452697"/>
+      </p:ext>
+    </p:extLst>
+  </p:cSld>
+  <p:clrMapOvr>
+    <a:masterClrMapping/>
+  </p:clrMapOvr>
+</p:sld>
+</file>
+
+<file path=ppt/slides/slide20.xml><?xml version="1.0" encoding="utf-8"?>
+<p:sld xmlns:a="http://schemas.openxmlformats.org/drawingml/2006/main" xmlns:r="http://schemas.openxmlformats.org/officeDocument/2006/relationships" xmlns:p="http://schemas.openxmlformats.org/presentationml/2006/main">
+  <p:cSld>
+    <p:spTree>
+      <p:nvGrpSpPr>
+        <p:cNvPr id="1" name=""/>
+        <p:cNvGrpSpPr/>
+        <p:nvPr/>
+      </p:nvGrpSpPr>
+      <p:grpSpPr>
+        <a:xfrm>
+          <a:off x="0" y="0"/>
+          <a:ext cx="0" cy="0"/>
+          <a:chOff x="0" y="0"/>
+          <a:chExt cx="0" cy="0"/>
+        </a:xfrm>
+      </p:grpSpPr>
+      <p:sp>
+        <p:nvSpPr>
+          <p:cNvPr id="2" name="Title 1">
+            <a:extLst>
+              <a:ext uri="{FF2B5EF4-FFF2-40B4-BE49-F238E27FC236}">
+                <a16:creationId xmlns:a16="http://schemas.microsoft.com/office/drawing/2014/main" id="{73F25313-547B-B04B-8A08-2861440D6DE7}"/>
+              </a:ext>
+            </a:extLst>
+          </p:cNvPr>
+          <p:cNvSpPr>
+            <a:spLocks noGrp="1"/>
+          </p:cNvSpPr>
+          <p:nvPr>
+            <p:ph type="title"/>
+          </p:nvPr>
+        </p:nvSpPr>
+        <p:spPr/>
+        <p:txBody>
+          <a:bodyPr/>
+          <a:lstStyle/>
+          <a:p>
+            <a:r>
+              <a:rPr lang="en-CO" dirty="0"/>
+              <a:t>Moving Average Term</a:t>
+            </a:r>
+          </a:p>
+        </p:txBody>
+      </p:sp>
+      <p:sp>
+        <p:nvSpPr>
+          <p:cNvPr id="3" name="Content Placeholder 2">
+            <a:extLst>
+              <a:ext uri="{FF2B5EF4-FFF2-40B4-BE49-F238E27FC236}">
+                <a16:creationId xmlns:a16="http://schemas.microsoft.com/office/drawing/2014/main" id="{AA9F0550-894B-BD45-AC32-393DD3B4CE0B}"/>
+              </a:ext>
+            </a:extLst>
+          </p:cNvPr>
+          <p:cNvSpPr>
+            <a:spLocks noGrp="1"/>
+          </p:cNvSpPr>
+          <p:nvPr>
+            <p:ph idx="1"/>
+          </p:nvPr>
+        </p:nvSpPr>
+        <p:spPr/>
+        <p:txBody>
+          <a:bodyPr/>
+          <a:lstStyle/>
+          <a:p>
+            <a:endParaRPr lang="en-CO"/>
+          </a:p>
+        </p:txBody>
+      </p:sp>
+      <p:pic>
+        <p:nvPicPr>
+          <p:cNvPr id="4" name="Picture 3">
+            <a:extLst>
+              <a:ext uri="{FF2B5EF4-FFF2-40B4-BE49-F238E27FC236}">
+                <a16:creationId xmlns:a16="http://schemas.microsoft.com/office/drawing/2014/main" id="{C0CD82A3-0AC4-924B-864D-8F284537FD11}"/>
+              </a:ext>
+            </a:extLst>
+          </p:cNvPr>
+          <p:cNvPicPr>
+            <a:picLocks noChangeAspect="1"/>
+          </p:cNvPicPr>
+          <p:nvPr/>
+        </p:nvPicPr>
+        <p:blipFill>
+          <a:blip r:embed="rId2"/>
+          <a:stretch>
+            <a:fillRect/>
+          </a:stretch>
+        </p:blipFill>
+        <p:spPr>
+          <a:xfrm>
+            <a:off x="594609" y="2454026"/>
+            <a:ext cx="11002781" cy="3363198"/>
+          </a:xfrm>
+          <a:prstGeom prst="rect">
+            <a:avLst/>
+          </a:prstGeom>
+        </p:spPr>
+      </p:pic>
+    </p:spTree>
+    <p:extLst>
+      <p:ext uri="{BB962C8B-B14F-4D97-AF65-F5344CB8AC3E}">
+        <p14:creationId xmlns:p14="http://schemas.microsoft.com/office/powerpoint/2010/main" val="419203201"/>
+      </p:ext>
+    </p:extLst>
+  </p:cSld>
+  <p:clrMapOvr>
+    <a:masterClrMapping/>
+  </p:clrMapOvr>
+</p:sld>
+</file>
+
+<file path=ppt/slides/slide21.xml><?xml version="1.0" encoding="utf-8"?>
+<p:sld xmlns:a="http://schemas.openxmlformats.org/drawingml/2006/main" xmlns:r="http://schemas.openxmlformats.org/officeDocument/2006/relationships" xmlns:p="http://schemas.openxmlformats.org/presentationml/2006/main">
+  <p:cSld>
+    <p:spTree>
+      <p:nvGrpSpPr>
+        <p:cNvPr id="1" name=""/>
+        <p:cNvGrpSpPr/>
+        <p:nvPr/>
+      </p:nvGrpSpPr>
+      <p:grpSpPr>
+        <a:xfrm>
+          <a:off x="0" y="0"/>
+          <a:ext cx="0" cy="0"/>
+          <a:chOff x="0" y="0"/>
+          <a:chExt cx="0" cy="0"/>
+        </a:xfrm>
+      </p:grpSpPr>
+      <p:sp>
+        <p:nvSpPr>
+          <p:cNvPr id="2" name="Title 1">
+            <a:extLst>
+              <a:ext uri="{FF2B5EF4-FFF2-40B4-BE49-F238E27FC236}">
+                <a16:creationId xmlns:a16="http://schemas.microsoft.com/office/drawing/2014/main" id="{D1E9A631-7AF2-0448-B006-FF476AE3EF3F}"/>
+              </a:ext>
+            </a:extLst>
+          </p:cNvPr>
+          <p:cNvSpPr>
+            <a:spLocks noGrp="1"/>
+          </p:cNvSpPr>
+          <p:nvPr>
+            <p:ph type="title"/>
+          </p:nvPr>
+        </p:nvSpPr>
+        <p:spPr/>
+        <p:txBody>
+          <a:bodyPr/>
+          <a:lstStyle/>
+          <a:p>
+            <a:r>
+              <a:rPr lang="en-CO" dirty="0"/>
+              <a:t>Stationary time series</a:t>
+            </a:r>
+          </a:p>
+        </p:txBody>
+      </p:sp>
+      <p:pic>
+        <p:nvPicPr>
+          <p:cNvPr id="4" name="Content Placeholder 3">
+            <a:extLst>
+              <a:ext uri="{FF2B5EF4-FFF2-40B4-BE49-F238E27FC236}">
+                <a16:creationId xmlns:a16="http://schemas.microsoft.com/office/drawing/2014/main" id="{1616B594-728F-234C-80C7-D79733605D0E}"/>
+              </a:ext>
+            </a:extLst>
+          </p:cNvPr>
+          <p:cNvPicPr>
+            <a:picLocks noGrp="1" noChangeAspect="1"/>
+          </p:cNvPicPr>
+          <p:nvPr>
+            <p:ph idx="1"/>
+          </p:nvPr>
+        </p:nvPicPr>
+        <p:blipFill>
+          <a:blip r:embed="rId3"/>
+          <a:stretch>
+            <a:fillRect/>
+          </a:stretch>
+        </p:blipFill>
+        <p:spPr>
+          <a:xfrm>
+            <a:off x="1299323" y="1825625"/>
+            <a:ext cx="9593354" cy="4351338"/>
+          </a:xfrm>
+          <a:prstGeom prst="rect">
+            <a:avLst/>
+          </a:prstGeom>
+        </p:spPr>
+      </p:pic>
+    </p:spTree>
+    <p:extLst>
+      <p:ext uri="{BB962C8B-B14F-4D97-AF65-F5344CB8AC3E}">
+        <p14:creationId xmlns:p14="http://schemas.microsoft.com/office/powerpoint/2010/main" val="550666143"/>
+      </p:ext>
+    </p:extLst>
+  </p:cSld>
+  <p:clrMapOvr>
+    <a:masterClrMapping/>
+  </p:clrMapOvr>
+</p:sld>
+</file>
+
+<file path=ppt/slides/slide22.xml><?xml version="1.0" encoding="utf-8"?>
+<p:sld xmlns:a="http://schemas.openxmlformats.org/drawingml/2006/main" xmlns:r="http://schemas.openxmlformats.org/officeDocument/2006/relationships" xmlns:p="http://schemas.openxmlformats.org/presentationml/2006/main">
+  <p:cSld>
+    <p:spTree>
+      <p:nvGrpSpPr>
+        <p:cNvPr id="1" name=""/>
+        <p:cNvGrpSpPr/>
+        <p:nvPr/>
+      </p:nvGrpSpPr>
+      <p:grpSpPr>
+        <a:xfrm>
+          <a:off x="0" y="0"/>
+          <a:ext cx="0" cy="0"/>
+          <a:chOff x="0" y="0"/>
+          <a:chExt cx="0" cy="0"/>
+        </a:xfrm>
+      </p:grpSpPr>
+      <p:sp>
+        <p:nvSpPr>
+          <p:cNvPr id="2" name="Title 1">
+            <a:extLst>
+              <a:ext uri="{FF2B5EF4-FFF2-40B4-BE49-F238E27FC236}">
+                <a16:creationId xmlns:a16="http://schemas.microsoft.com/office/drawing/2014/main" id="{8BF9CB39-5A7D-B746-A811-FA49806DA87B}"/>
+              </a:ext>
+            </a:extLst>
+          </p:cNvPr>
+          <p:cNvSpPr>
+            <a:spLocks noGrp="1"/>
+          </p:cNvSpPr>
+          <p:nvPr>
+            <p:ph type="title"/>
+          </p:nvPr>
+        </p:nvSpPr>
+        <p:spPr/>
+        <p:txBody>
+          <a:bodyPr/>
+          <a:lstStyle/>
+          <a:p>
+            <a:r>
+              <a:rPr lang="en-CO"/>
+              <a:t>Seasonal ARIMA</a:t>
+            </a:r>
+          </a:p>
+        </p:txBody>
+      </p:sp>
+      <p:pic>
+        <p:nvPicPr>
+          <p:cNvPr id="4" name="Content Placeholder 3">
+            <a:extLst>
+              <a:ext uri="{FF2B5EF4-FFF2-40B4-BE49-F238E27FC236}">
+                <a16:creationId xmlns:a16="http://schemas.microsoft.com/office/drawing/2014/main" id="{1C11B67D-BA8E-7547-B70F-51EED288EC8B}"/>
+              </a:ext>
+            </a:extLst>
+          </p:cNvPr>
+          <p:cNvPicPr>
+            <a:picLocks noGrp="1" noChangeAspect="1"/>
+          </p:cNvPicPr>
+          <p:nvPr>
+            <p:ph idx="1"/>
+          </p:nvPr>
+        </p:nvPicPr>
+        <p:blipFill>
+          <a:blip r:embed="rId2"/>
+          <a:stretch>
+            <a:fillRect/>
+          </a:stretch>
+        </p:blipFill>
+        <p:spPr>
+          <a:xfrm>
+            <a:off x="1118715" y="1825625"/>
+            <a:ext cx="9954569" cy="4351338"/>
+          </a:xfrm>
+          <a:prstGeom prst="rect">
+            <a:avLst/>
+          </a:prstGeom>
+        </p:spPr>
+      </p:pic>
+    </p:spTree>
+    <p:extLst>
+      <p:ext uri="{BB962C8B-B14F-4D97-AF65-F5344CB8AC3E}">
+        <p14:creationId xmlns:p14="http://schemas.microsoft.com/office/powerpoint/2010/main" val="2654535537"/>
       </p:ext>
     </p:extLst>
   </p:cSld>
